--- a/개발 5팀 7차 미니 프로젝트 산출물 제출/7) KOSMO_77기_개발 0팀_일정관리_형상관리_활용_종합보고서.pptx
+++ b/개발 5팀 7차 미니 프로젝트 산출물 제출/7) KOSMO_77기_개발 0팀_일정관리_형상관리_활용_종합보고서.pptx
@@ -5,10 +5,9 @@
     <p:sldMasterId id="2147483648" r:id="rId1"/>
   </p:sldMasterIdLst>
   <p:sldIdLst>
-    <p:sldId id="256" r:id="rId2"/>
-    <p:sldId id="257" r:id="rId3"/>
-    <p:sldId id="258" r:id="rId4"/>
-    <p:sldId id="259" r:id="rId5"/>
+    <p:sldId id="257" r:id="rId2"/>
+    <p:sldId id="260" r:id="rId3"/>
+    <p:sldId id="259" r:id="rId4"/>
   </p:sldIdLst>
   <p:sldSz cx="9144000" cy="6858000" type="screen4x3"/>
   <p:notesSz cx="6858000" cy="9144000"/>
@@ -306,7 +305,7 @@
             <a:fld id="{3043414A-E12B-44ED-AF2F-470187DD60AF}" type="datetimeFigureOut">
               <a:rPr lang="ko-KR" altLang="en-US" smtClean="0"/>
               <a:pPr/>
-              <a:t>2021-04-02</a:t>
+              <a:t>2021-05-20</a:t>
             </a:fld>
             <a:endParaRPr lang="ko-KR" altLang="en-US"/>
           </a:p>
@@ -476,7 +475,7 @@
             <a:fld id="{3043414A-E12B-44ED-AF2F-470187DD60AF}" type="datetimeFigureOut">
               <a:rPr lang="ko-KR" altLang="en-US" smtClean="0"/>
               <a:pPr/>
-              <a:t>2021-04-02</a:t>
+              <a:t>2021-05-20</a:t>
             </a:fld>
             <a:endParaRPr lang="ko-KR" altLang="en-US"/>
           </a:p>
@@ -656,7 +655,7 @@
             <a:fld id="{3043414A-E12B-44ED-AF2F-470187DD60AF}" type="datetimeFigureOut">
               <a:rPr lang="ko-KR" altLang="en-US" smtClean="0"/>
               <a:pPr/>
-              <a:t>2021-04-02</a:t>
+              <a:t>2021-05-20</a:t>
             </a:fld>
             <a:endParaRPr lang="ko-KR" altLang="en-US"/>
           </a:p>
@@ -826,7 +825,7 @@
             <a:fld id="{3043414A-E12B-44ED-AF2F-470187DD60AF}" type="datetimeFigureOut">
               <a:rPr lang="ko-KR" altLang="en-US" smtClean="0"/>
               <a:pPr/>
-              <a:t>2021-04-02</a:t>
+              <a:t>2021-05-20</a:t>
             </a:fld>
             <a:endParaRPr lang="ko-KR" altLang="en-US"/>
           </a:p>
@@ -1073,7 +1072,7 @@
             <a:fld id="{3043414A-E12B-44ED-AF2F-470187DD60AF}" type="datetimeFigureOut">
               <a:rPr lang="ko-KR" altLang="en-US" smtClean="0"/>
               <a:pPr/>
-              <a:t>2021-04-02</a:t>
+              <a:t>2021-05-20</a:t>
             </a:fld>
             <a:endParaRPr lang="ko-KR" altLang="en-US"/>
           </a:p>
@@ -1360,7 +1359,7 @@
             <a:fld id="{3043414A-E12B-44ED-AF2F-470187DD60AF}" type="datetimeFigureOut">
               <a:rPr lang="ko-KR" altLang="en-US" smtClean="0"/>
               <a:pPr/>
-              <a:t>2021-04-02</a:t>
+              <a:t>2021-05-20</a:t>
             </a:fld>
             <a:endParaRPr lang="ko-KR" altLang="en-US"/>
           </a:p>
@@ -1781,7 +1780,7 @@
             <a:fld id="{3043414A-E12B-44ED-AF2F-470187DD60AF}" type="datetimeFigureOut">
               <a:rPr lang="ko-KR" altLang="en-US" smtClean="0"/>
               <a:pPr/>
-              <a:t>2021-04-02</a:t>
+              <a:t>2021-05-20</a:t>
             </a:fld>
             <a:endParaRPr lang="ko-KR" altLang="en-US"/>
           </a:p>
@@ -1900,7 +1899,7 @@
             <a:fld id="{3043414A-E12B-44ED-AF2F-470187DD60AF}" type="datetimeFigureOut">
               <a:rPr lang="ko-KR" altLang="en-US" smtClean="0"/>
               <a:pPr/>
-              <a:t>2021-04-02</a:t>
+              <a:t>2021-05-20</a:t>
             </a:fld>
             <a:endParaRPr lang="ko-KR" altLang="en-US"/>
           </a:p>
@@ -1997,7 +1996,7 @@
             <a:fld id="{3043414A-E12B-44ED-AF2F-470187DD60AF}" type="datetimeFigureOut">
               <a:rPr lang="ko-KR" altLang="en-US" smtClean="0"/>
               <a:pPr/>
-              <a:t>2021-04-02</a:t>
+              <a:t>2021-05-20</a:t>
             </a:fld>
             <a:endParaRPr lang="ko-KR" altLang="en-US"/>
           </a:p>
@@ -2274,7 +2273,7 @@
             <a:fld id="{3043414A-E12B-44ED-AF2F-470187DD60AF}" type="datetimeFigureOut">
               <a:rPr lang="ko-KR" altLang="en-US" smtClean="0"/>
               <a:pPr/>
-              <a:t>2021-04-02</a:t>
+              <a:t>2021-05-20</a:t>
             </a:fld>
             <a:endParaRPr lang="ko-KR" altLang="en-US"/>
           </a:p>
@@ -2528,7 +2527,7 @@
             <a:fld id="{3043414A-E12B-44ED-AF2F-470187DD60AF}" type="datetimeFigureOut">
               <a:rPr lang="ko-KR" altLang="en-US" smtClean="0"/>
               <a:pPr/>
-              <a:t>2021-04-02</a:t>
+              <a:t>2021-05-20</a:t>
             </a:fld>
             <a:endParaRPr lang="ko-KR" altLang="en-US"/>
           </a:p>
@@ -2741,7 +2740,7 @@
             <a:fld id="{3043414A-E12B-44ED-AF2F-470187DD60AF}" type="datetimeFigureOut">
               <a:rPr lang="ko-KR" altLang="en-US" smtClean="0"/>
               <a:pPr/>
-              <a:t>2021-04-02</a:t>
+              <a:t>2021-05-20</a:t>
             </a:fld>
             <a:endParaRPr lang="ko-KR" altLang="en-US"/>
           </a:p>
@@ -3119,10 +3118,10 @@
       </p:grpSpPr>
       <p:sp>
         <p:nvSpPr>
-          <p:cNvPr id="18" name="TextBox 17">
+          <p:cNvPr id="9" name="TextBox 8">
             <a:extLst>
               <a:ext uri="{FF2B5EF4-FFF2-40B4-BE49-F238E27FC236}">
-                <a16:creationId xmlns:a16="http://schemas.microsoft.com/office/drawing/2014/main" id="{D7B7EE40-BAD9-4569-9BF6-F6E9ACA78A3C}"/>
+                <a16:creationId xmlns:a16="http://schemas.microsoft.com/office/drawing/2014/main" id="{72A2B6BD-013E-4963-B318-FF584318CC4E}"/>
               </a:ext>
             </a:extLst>
           </p:cNvPr>
@@ -3194,10 +3193,10 @@
       </p:sp>
       <p:sp>
         <p:nvSpPr>
-          <p:cNvPr id="22" name="직사각형 21">
+          <p:cNvPr id="10" name="직사각형 9">
             <a:extLst>
               <a:ext uri="{FF2B5EF4-FFF2-40B4-BE49-F238E27FC236}">
-                <a16:creationId xmlns:a16="http://schemas.microsoft.com/office/drawing/2014/main" id="{AB4C8245-D0E4-4D79-B3E9-2FB89CE6FE84}"/>
+                <a16:creationId xmlns:a16="http://schemas.microsoft.com/office/drawing/2014/main" id="{80AF5635-BC8E-43BA-9FF0-02BBB733D2AD}"/>
               </a:ext>
             </a:extLst>
           </p:cNvPr>
@@ -3246,156 +3245,10 @@
       </p:sp>
       <p:sp>
         <p:nvSpPr>
-          <p:cNvPr id="23" name="TextBox 22">
+          <p:cNvPr id="11" name="TextBox 10">
             <a:extLst>
               <a:ext uri="{FF2B5EF4-FFF2-40B4-BE49-F238E27FC236}">
-                <a16:creationId xmlns:a16="http://schemas.microsoft.com/office/drawing/2014/main" id="{706566D1-60CB-4C10-9859-0656D082B2B7}"/>
-              </a:ext>
-            </a:extLst>
-          </p:cNvPr>
-          <p:cNvSpPr txBox="1"/>
-          <p:nvPr/>
-        </p:nvSpPr>
-        <p:spPr>
-          <a:xfrm>
-            <a:off x="214282" y="4059800"/>
-            <a:ext cx="1918244" cy="369332"/>
-          </a:xfrm>
-          <a:prstGeom prst="rect">
-            <a:avLst/>
-          </a:prstGeom>
-          <a:noFill/>
-          <a:ln>
-            <a:noFill/>
-          </a:ln>
-        </p:spPr>
-        <p:txBody>
-          <a:bodyPr wrap="square" rtlCol="0">
-            <a:spAutoFit/>
-          </a:bodyPr>
-          <a:lstStyle/>
-          <a:p>
-            <a:r>
-              <a:rPr lang="en-US" altLang="ko-KR" b="1" dirty="0">
-                <a:ln>
-                  <a:solidFill>
-                    <a:schemeClr val="tx1">
-                      <a:alpha val="30000"/>
-                    </a:schemeClr>
-                  </a:solidFill>
-                </a:ln>
-                <a:latin typeface="맑은 고딕" panose="020B0503020000020004" pitchFamily="50" charset="-127"/>
-                <a:ea typeface="맑은 고딕" panose="020B0503020000020004" pitchFamily="50" charset="-127"/>
-              </a:rPr>
-              <a:t>Trello : </a:t>
-            </a:r>
-            <a:r>
-              <a:rPr lang="ko-KR" altLang="en-US" b="1" dirty="0">
-                <a:ln>
-                  <a:solidFill>
-                    <a:schemeClr val="tx1">
-                      <a:alpha val="30000"/>
-                    </a:schemeClr>
-                  </a:solidFill>
-                </a:ln>
-                <a:latin typeface="맑은 고딕" panose="020B0503020000020004" pitchFamily="50" charset="-127"/>
-                <a:ea typeface="맑은 고딕" panose="020B0503020000020004" pitchFamily="50" charset="-127"/>
-              </a:rPr>
-              <a:t>형상관리</a:t>
-            </a:r>
-            <a:endParaRPr lang="en-US" altLang="ko-KR" b="1" dirty="0">
-              <a:ln>
-                <a:solidFill>
-                  <a:schemeClr val="tx1">
-                    <a:alpha val="30000"/>
-                  </a:schemeClr>
-                </a:solidFill>
-              </a:ln>
-              <a:latin typeface="맑은 고딕" panose="020B0503020000020004" pitchFamily="50" charset="-127"/>
-              <a:ea typeface="맑은 고딕" panose="020B0503020000020004" pitchFamily="50" charset="-127"/>
-            </a:endParaRPr>
-          </a:p>
-        </p:txBody>
-      </p:sp>
-      <p:sp>
-        <p:nvSpPr>
-          <p:cNvPr id="24" name="TextBox 23">
-            <a:extLst>
-              <a:ext uri="{FF2B5EF4-FFF2-40B4-BE49-F238E27FC236}">
-                <a16:creationId xmlns:a16="http://schemas.microsoft.com/office/drawing/2014/main" id="{706566D1-60CB-4C10-9859-0656D082B2B7}"/>
-              </a:ext>
-            </a:extLst>
-          </p:cNvPr>
-          <p:cNvSpPr txBox="1"/>
-          <p:nvPr/>
-        </p:nvSpPr>
-        <p:spPr>
-          <a:xfrm>
-            <a:off x="4857752" y="4059800"/>
-            <a:ext cx="2200091" cy="369332"/>
-          </a:xfrm>
-          <a:prstGeom prst="rect">
-            <a:avLst/>
-          </a:prstGeom>
-          <a:noFill/>
-          <a:ln>
-            <a:noFill/>
-          </a:ln>
-        </p:spPr>
-        <p:txBody>
-          <a:bodyPr wrap="square" rtlCol="0">
-            <a:spAutoFit/>
-          </a:bodyPr>
-          <a:lstStyle/>
-          <a:p>
-            <a:r>
-              <a:rPr lang="en-US" altLang="ko-KR" b="1" dirty="0">
-                <a:ln>
-                  <a:solidFill>
-                    <a:schemeClr val="tx1">
-                      <a:alpha val="30000"/>
-                    </a:schemeClr>
-                  </a:solidFill>
-                </a:ln>
-                <a:latin typeface="맑은 고딕" panose="020B0503020000020004" pitchFamily="50" charset="-127"/>
-                <a:ea typeface="맑은 고딕" panose="020B0503020000020004" pitchFamily="50" charset="-127"/>
-              </a:rPr>
-              <a:t>GitHub : </a:t>
-            </a:r>
-            <a:r>
-              <a:rPr lang="ko-KR" altLang="en-US" b="1" dirty="0">
-                <a:ln>
-                  <a:solidFill>
-                    <a:schemeClr val="tx1">
-                      <a:alpha val="30000"/>
-                    </a:schemeClr>
-                  </a:solidFill>
-                </a:ln>
-                <a:latin typeface="맑은 고딕" panose="020B0503020000020004" pitchFamily="50" charset="-127"/>
-                <a:ea typeface="맑은 고딕" panose="020B0503020000020004" pitchFamily="50" charset="-127"/>
-              </a:rPr>
-              <a:t>형상관리</a:t>
-            </a:r>
-            <a:endParaRPr lang="en-US" altLang="ko-KR" b="1" dirty="0">
-              <a:ln>
-                <a:solidFill>
-                  <a:schemeClr val="tx1">
-                    <a:alpha val="30000"/>
-                  </a:schemeClr>
-                </a:solidFill>
-              </a:ln>
-              <a:latin typeface="맑은 고딕" panose="020B0503020000020004" pitchFamily="50" charset="-127"/>
-              <a:ea typeface="맑은 고딕" panose="020B0503020000020004" pitchFamily="50" charset="-127"/>
-            </a:endParaRPr>
-          </a:p>
-        </p:txBody>
-      </p:sp>
-      <p:sp>
-        <p:nvSpPr>
-          <p:cNvPr id="25" name="TextBox 24">
-            <a:extLst>
-              <a:ext uri="{FF2B5EF4-FFF2-40B4-BE49-F238E27FC236}">
-                <a16:creationId xmlns:a16="http://schemas.microsoft.com/office/drawing/2014/main" id="{706566D1-60CB-4C10-9859-0656D082B2B7}"/>
+                <a16:creationId xmlns:a16="http://schemas.microsoft.com/office/drawing/2014/main" id="{95B8E209-6031-44CB-AF94-70ABFBC48432}"/>
               </a:ext>
             </a:extLst>
           </p:cNvPr>
@@ -3573,7 +3426,7 @@
                 <a:latin typeface="맑은 고딕" panose="020B0503020000020004" pitchFamily="50" charset="-127"/>
                 <a:ea typeface="맑은 고딕" panose="020B0503020000020004" pitchFamily="50" charset="-127"/>
               </a:rPr>
-              <a:t>) </a:t>
+              <a:t>)</a:t>
             </a:r>
             <a:endParaRPr lang="ko-KR" altLang="en-US" b="1" dirty="0">
               <a:ln>
@@ -3591,14 +3444,20 @@
       </p:sp>
       <p:sp>
         <p:nvSpPr>
-          <p:cNvPr id="26" name="직사각형 25"/>
+          <p:cNvPr id="12" name="직사각형 11">
+            <a:extLst>
+              <a:ext uri="{FF2B5EF4-FFF2-40B4-BE49-F238E27FC236}">
+                <a16:creationId xmlns:a16="http://schemas.microsoft.com/office/drawing/2014/main" id="{2320FE88-8B8E-41DC-AFCB-B8534A9AF5CC}"/>
+              </a:ext>
+            </a:extLst>
+          </p:cNvPr>
           <p:cNvSpPr/>
           <p:nvPr/>
         </p:nvSpPr>
         <p:spPr>
           <a:xfrm>
-            <a:off x="142844" y="1214422"/>
-            <a:ext cx="6715172" cy="2775604"/>
+            <a:off x="142844" y="1214421"/>
+            <a:ext cx="8794969" cy="5382931"/>
           </a:xfrm>
           <a:prstGeom prst="rect">
             <a:avLst/>
@@ -3627,176 +3486,40 @@
           </a:p>
         </p:txBody>
       </p:sp>
-      <p:sp>
-        <p:nvSpPr>
-          <p:cNvPr id="27" name="TextBox 26"/>
-          <p:cNvSpPr txBox="1"/>
+      <p:pic>
+        <p:nvPicPr>
+          <p:cNvPr id="7" name="그림 6">
+            <a:extLst>
+              <a:ext uri="{FF2B5EF4-FFF2-40B4-BE49-F238E27FC236}">
+                <a16:creationId xmlns:a16="http://schemas.microsoft.com/office/drawing/2014/main" id="{3134BC2E-66BE-48E9-A7FE-A5735DCBD8B8}"/>
+              </a:ext>
+            </a:extLst>
+          </p:cNvPr>
+          <p:cNvPicPr>
+            <a:picLocks noChangeAspect="1"/>
+          </p:cNvPicPr>
           <p:nvPr/>
-        </p:nvSpPr>
+        </p:nvPicPr>
+        <p:blipFill>
+          <a:blip r:embed="rId2"/>
+          <a:stretch>
+            <a:fillRect/>
+          </a:stretch>
+        </p:blipFill>
         <p:spPr>
           <a:xfrm>
-            <a:off x="206187" y="1273718"/>
-            <a:ext cx="3222805" cy="369332"/>
-          </a:xfrm>
-          <a:prstGeom prst="rect">
-            <a:avLst/>
-          </a:prstGeom>
-          <a:noFill/>
-        </p:spPr>
-        <p:txBody>
-          <a:bodyPr wrap="none" rtlCol="0">
-            <a:spAutoFit/>
-          </a:bodyPr>
-          <a:lstStyle/>
-          <a:p>
-            <a:r>
-              <a:rPr lang="en-US" altLang="ko-KR" dirty="0"/>
-              <a:t>Here : Contents Image Insert</a:t>
-            </a:r>
-            <a:endParaRPr lang="ko-KR" altLang="en-US" dirty="0"/>
-          </a:p>
-        </p:txBody>
-      </p:sp>
-      <p:sp>
-        <p:nvSpPr>
-          <p:cNvPr id="37" name="직사각형 36"/>
-          <p:cNvSpPr/>
-          <p:nvPr/>
-        </p:nvSpPr>
-        <p:spPr>
-          <a:xfrm>
-            <a:off x="142844" y="4500570"/>
-            <a:ext cx="4214842" cy="2214578"/>
+            <a:off x="1552182" y="1351468"/>
+            <a:ext cx="5611008" cy="4772691"/>
           </a:xfrm>
           <a:prstGeom prst="rect">
             <a:avLst/>
           </a:prstGeom>
         </p:spPr>
-        <p:style>
-          <a:lnRef idx="2">
-            <a:schemeClr val="accent5"/>
-          </a:lnRef>
-          <a:fillRef idx="1">
-            <a:schemeClr val="lt1"/>
-          </a:fillRef>
-          <a:effectRef idx="0">
-            <a:schemeClr val="accent5"/>
-          </a:effectRef>
-          <a:fontRef idx="minor">
-            <a:schemeClr val="dk1"/>
-          </a:fontRef>
-        </p:style>
-        <p:txBody>
-          <a:bodyPr rtlCol="0" anchor="ctr"/>
-          <a:lstStyle/>
-          <a:p>
-            <a:pPr algn="ctr"/>
-            <a:endParaRPr lang="ko-KR" altLang="en-US"/>
-          </a:p>
-        </p:txBody>
-      </p:sp>
-      <p:sp>
-        <p:nvSpPr>
-          <p:cNvPr id="38" name="TextBox 37"/>
-          <p:cNvSpPr txBox="1"/>
-          <p:nvPr/>
-        </p:nvSpPr>
-        <p:spPr>
-          <a:xfrm>
-            <a:off x="206187" y="4559866"/>
-            <a:ext cx="3222805" cy="369332"/>
-          </a:xfrm>
-          <a:prstGeom prst="rect">
-            <a:avLst/>
-          </a:prstGeom>
-          <a:noFill/>
-        </p:spPr>
-        <p:txBody>
-          <a:bodyPr wrap="none" rtlCol="0">
-            <a:spAutoFit/>
-          </a:bodyPr>
-          <a:lstStyle/>
-          <a:p>
-            <a:r>
-              <a:rPr lang="en-US" altLang="ko-KR" dirty="0"/>
-              <a:t>Here : Contents Image Insert</a:t>
-            </a:r>
-            <a:endParaRPr lang="ko-KR" altLang="en-US" dirty="0"/>
-          </a:p>
-        </p:txBody>
-      </p:sp>
-      <p:sp>
-        <p:nvSpPr>
-          <p:cNvPr id="39" name="직사각형 38"/>
-          <p:cNvSpPr/>
-          <p:nvPr/>
-        </p:nvSpPr>
-        <p:spPr>
-          <a:xfrm>
-            <a:off x="4786314" y="4500570"/>
-            <a:ext cx="4214842" cy="2214578"/>
-          </a:xfrm>
-          <a:prstGeom prst="rect">
-            <a:avLst/>
-          </a:prstGeom>
-        </p:spPr>
-        <p:style>
-          <a:lnRef idx="2">
-            <a:schemeClr val="accent5"/>
-          </a:lnRef>
-          <a:fillRef idx="1">
-            <a:schemeClr val="lt1"/>
-          </a:fillRef>
-          <a:effectRef idx="0">
-            <a:schemeClr val="accent5"/>
-          </a:effectRef>
-          <a:fontRef idx="minor">
-            <a:schemeClr val="dk1"/>
-          </a:fontRef>
-        </p:style>
-        <p:txBody>
-          <a:bodyPr rtlCol="0" anchor="ctr"/>
-          <a:lstStyle/>
-          <a:p>
-            <a:pPr algn="ctr"/>
-            <a:endParaRPr lang="ko-KR" altLang="en-US"/>
-          </a:p>
-        </p:txBody>
-      </p:sp>
-      <p:sp>
-        <p:nvSpPr>
-          <p:cNvPr id="40" name="TextBox 39"/>
-          <p:cNvSpPr txBox="1"/>
-          <p:nvPr/>
-        </p:nvSpPr>
-        <p:spPr>
-          <a:xfrm>
-            <a:off x="4849657" y="4559866"/>
-            <a:ext cx="3222805" cy="369332"/>
-          </a:xfrm>
-          <a:prstGeom prst="rect">
-            <a:avLst/>
-          </a:prstGeom>
-          <a:noFill/>
-        </p:spPr>
-        <p:txBody>
-          <a:bodyPr wrap="none" rtlCol="0">
-            <a:spAutoFit/>
-          </a:bodyPr>
-          <a:lstStyle/>
-          <a:p>
-            <a:r>
-              <a:rPr lang="en-US" altLang="ko-KR" dirty="0"/>
-              <a:t>Here : Contents Image Insert</a:t>
-            </a:r>
-            <a:endParaRPr lang="ko-KR" altLang="en-US" dirty="0"/>
-          </a:p>
-        </p:txBody>
-      </p:sp>
+      </p:pic>
     </p:spTree>
     <p:extLst>
       <p:ext uri="{BB962C8B-B14F-4D97-AF65-F5344CB8AC3E}">
-        <p14:creationId xmlns:p14="http://schemas.microsoft.com/office/powerpoint/2010/main" val="2989050781"/>
+        <p14:creationId xmlns:p14="http://schemas.microsoft.com/office/powerpoint/2010/main" val="2868114460"/>
       </p:ext>
     </p:extLst>
   </p:cSld>
@@ -4193,46 +3916,40 @@
           </a:p>
         </p:txBody>
       </p:sp>
-      <p:sp>
-        <p:nvSpPr>
-          <p:cNvPr id="13" name="TextBox 12">
+      <p:pic>
+        <p:nvPicPr>
+          <p:cNvPr id="3" name="그림 2">
             <a:extLst>
               <a:ext uri="{FF2B5EF4-FFF2-40B4-BE49-F238E27FC236}">
-                <a16:creationId xmlns:a16="http://schemas.microsoft.com/office/drawing/2014/main" id="{DD4E1F33-99A2-4CA1-AFAF-CB62AC2D2AAC}"/>
+                <a16:creationId xmlns:a16="http://schemas.microsoft.com/office/drawing/2014/main" id="{0E2FCA91-B145-4361-AAB8-A4876F08810C}"/>
               </a:ext>
             </a:extLst>
           </p:cNvPr>
-          <p:cNvSpPr txBox="1"/>
+          <p:cNvPicPr>
+            <a:picLocks noChangeAspect="1"/>
+          </p:cNvPicPr>
           <p:nvPr/>
-        </p:nvSpPr>
+        </p:nvPicPr>
+        <p:blipFill>
+          <a:blip r:embed="rId2"/>
+          <a:stretch>
+            <a:fillRect/>
+          </a:stretch>
+        </p:blipFill>
         <p:spPr>
           <a:xfrm>
-            <a:off x="206187" y="1273718"/>
-            <a:ext cx="3222805" cy="369332"/>
+            <a:off x="1331640" y="1412776"/>
+            <a:ext cx="5611008" cy="4810796"/>
           </a:xfrm>
           <a:prstGeom prst="rect">
             <a:avLst/>
           </a:prstGeom>
-          <a:noFill/>
         </p:spPr>
-        <p:txBody>
-          <a:bodyPr wrap="none" rtlCol="0">
-            <a:spAutoFit/>
-          </a:bodyPr>
-          <a:lstStyle/>
-          <a:p>
-            <a:r>
-              <a:rPr lang="en-US" altLang="ko-KR" dirty="0"/>
-              <a:t>Here : Contents Image Insert</a:t>
-            </a:r>
-            <a:endParaRPr lang="ko-KR" altLang="en-US" dirty="0"/>
-          </a:p>
-        </p:txBody>
-      </p:sp>
+      </p:pic>
     </p:spTree>
     <p:extLst>
       <p:ext uri="{BB962C8B-B14F-4D97-AF65-F5344CB8AC3E}">
-        <p14:creationId xmlns:p14="http://schemas.microsoft.com/office/powerpoint/2010/main" val="2868114460"/>
+        <p14:creationId xmlns:p14="http://schemas.microsoft.com/office/powerpoint/2010/main" val="2156959294"/>
       </p:ext>
     </p:extLst>
   </p:cSld>
@@ -4261,10 +3978,10 @@
       </p:grpSpPr>
       <p:sp>
         <p:nvSpPr>
-          <p:cNvPr id="4" name="TextBox 3">
+          <p:cNvPr id="18" name="TextBox 17">
             <a:extLst>
               <a:ext uri="{FF2B5EF4-FFF2-40B4-BE49-F238E27FC236}">
-                <a16:creationId xmlns:a16="http://schemas.microsoft.com/office/drawing/2014/main" id="{A3DA2DF7-98BE-41BA-B2C0-1B8E131B60DB}"/>
+                <a16:creationId xmlns:a16="http://schemas.microsoft.com/office/drawing/2014/main" id="{D7B7EE40-BAD9-4569-9BF6-F6E9ACA78A3C}"/>
               </a:ext>
             </a:extLst>
           </p:cNvPr>
@@ -4336,10 +4053,10 @@
       </p:sp>
       <p:sp>
         <p:nvSpPr>
-          <p:cNvPr id="5" name="직사각형 4">
+          <p:cNvPr id="22" name="직사각형 21">
             <a:extLst>
               <a:ext uri="{FF2B5EF4-FFF2-40B4-BE49-F238E27FC236}">
-                <a16:creationId xmlns:a16="http://schemas.microsoft.com/office/drawing/2014/main" id="{3B173D82-819C-4A6E-AB9C-4E513AED91A3}"/>
+                <a16:creationId xmlns:a16="http://schemas.microsoft.com/office/drawing/2014/main" id="{AB4C8245-D0E4-4D79-B3E9-2FB89CE6FE84}"/>
               </a:ext>
             </a:extLst>
           </p:cNvPr>
@@ -4388,459 +4105,6 @@
       </p:sp>
       <p:sp>
         <p:nvSpPr>
-          <p:cNvPr id="6" name="TextBox 5">
-            <a:extLst>
-              <a:ext uri="{FF2B5EF4-FFF2-40B4-BE49-F238E27FC236}">
-                <a16:creationId xmlns:a16="http://schemas.microsoft.com/office/drawing/2014/main" id="{B729E978-0679-4406-AAF1-3A6C49AC6480}"/>
-              </a:ext>
-            </a:extLst>
-          </p:cNvPr>
-          <p:cNvSpPr txBox="1"/>
-          <p:nvPr/>
-        </p:nvSpPr>
-        <p:spPr>
-          <a:xfrm>
-            <a:off x="181710" y="773652"/>
-            <a:ext cx="4894346" cy="369332"/>
-          </a:xfrm>
-          <a:prstGeom prst="rect">
-            <a:avLst/>
-          </a:prstGeom>
-          <a:noFill/>
-          <a:ln>
-            <a:noFill/>
-          </a:ln>
-        </p:spPr>
-        <p:txBody>
-          <a:bodyPr wrap="square" rtlCol="0">
-            <a:spAutoFit/>
-          </a:bodyPr>
-          <a:lstStyle/>
-          <a:p>
-            <a:r>
-              <a:rPr lang="en-US" altLang="ko-KR" b="1" dirty="0">
-                <a:ln>
-                  <a:solidFill>
-                    <a:schemeClr val="tx1">
-                      <a:alpha val="30000"/>
-                    </a:schemeClr>
-                  </a:solidFill>
-                </a:ln>
-                <a:latin typeface="맑은 고딕" panose="020B0503020000020004" pitchFamily="50" charset="-127"/>
-                <a:ea typeface="맑은 고딕" panose="020B0503020000020004" pitchFamily="50" charset="-127"/>
-              </a:rPr>
-              <a:t>Trello : </a:t>
-            </a:r>
-            <a:r>
-              <a:rPr lang="ko-KR" altLang="en-US" b="1" dirty="0">
-                <a:ln>
-                  <a:solidFill>
-                    <a:schemeClr val="tx1">
-                      <a:alpha val="30000"/>
-                    </a:schemeClr>
-                  </a:solidFill>
-                </a:ln>
-                <a:latin typeface="맑은 고딕" panose="020B0503020000020004" pitchFamily="50" charset="-127"/>
-                <a:ea typeface="맑은 고딕" panose="020B0503020000020004" pitchFamily="50" charset="-127"/>
-              </a:rPr>
-              <a:t>형상관리</a:t>
-            </a:r>
-            <a:r>
-              <a:rPr lang="en-US" altLang="ko-KR" b="1" dirty="0">
-                <a:ln>
-                  <a:solidFill>
-                    <a:schemeClr val="tx1">
-                      <a:alpha val="30000"/>
-                    </a:schemeClr>
-                  </a:solidFill>
-                </a:ln>
-                <a:latin typeface="맑은 고딕" panose="020B0503020000020004" pitchFamily="50" charset="-127"/>
-                <a:ea typeface="맑은 고딕" panose="020B0503020000020004" pitchFamily="50" charset="-127"/>
-              </a:rPr>
-              <a:t> : 4</a:t>
-            </a:r>
-            <a:r>
-              <a:rPr lang="ko-KR" altLang="en-US" b="1" dirty="0">
-                <a:ln>
-                  <a:solidFill>
-                    <a:schemeClr val="tx1">
-                      <a:alpha val="30000"/>
-                    </a:schemeClr>
-                  </a:solidFill>
-                </a:ln>
-                <a:latin typeface="맑은 고딕" panose="020B0503020000020004" pitchFamily="50" charset="-127"/>
-                <a:ea typeface="맑은 고딕" panose="020B0503020000020004" pitchFamily="50" charset="-127"/>
-              </a:rPr>
-              <a:t>월 </a:t>
-            </a:r>
-            <a:r>
-              <a:rPr lang="en-US" altLang="ko-KR" b="1" dirty="0">
-                <a:ln>
-                  <a:solidFill>
-                    <a:schemeClr val="tx1">
-                      <a:alpha val="30000"/>
-                    </a:schemeClr>
-                  </a:solidFill>
-                </a:ln>
-                <a:latin typeface="맑은 고딕" panose="020B0503020000020004" pitchFamily="50" charset="-127"/>
-                <a:ea typeface="맑은 고딕" panose="020B0503020000020004" pitchFamily="50" charset="-127"/>
-              </a:rPr>
-              <a:t>2</a:t>
-            </a:r>
-            <a:r>
-              <a:rPr lang="ko-KR" altLang="en-US" b="1" dirty="0">
-                <a:ln>
-                  <a:solidFill>
-                    <a:schemeClr val="tx1">
-                      <a:alpha val="30000"/>
-                    </a:schemeClr>
-                  </a:solidFill>
-                </a:ln>
-                <a:latin typeface="맑은 고딕" panose="020B0503020000020004" pitchFamily="50" charset="-127"/>
-                <a:ea typeface="맑은 고딕" panose="020B0503020000020004" pitchFamily="50" charset="-127"/>
-              </a:rPr>
-              <a:t>일 </a:t>
-            </a:r>
-            <a:r>
-              <a:rPr lang="en-US" altLang="ko-KR" b="1" dirty="0">
-                <a:ln>
-                  <a:solidFill>
-                    <a:schemeClr val="tx1">
-                      <a:alpha val="30000"/>
-                    </a:schemeClr>
-                  </a:solidFill>
-                </a:ln>
-                <a:latin typeface="맑은 고딕" panose="020B0503020000020004" pitchFamily="50" charset="-127"/>
-                <a:ea typeface="맑은 고딕" panose="020B0503020000020004" pitchFamily="50" charset="-127"/>
-              </a:rPr>
-              <a:t>~ 4</a:t>
-            </a:r>
-            <a:r>
-              <a:rPr lang="ko-KR" altLang="en-US" b="1" dirty="0">
-                <a:ln>
-                  <a:solidFill>
-                    <a:schemeClr val="tx1">
-                      <a:alpha val="30000"/>
-                    </a:schemeClr>
-                  </a:solidFill>
-                </a:ln>
-                <a:latin typeface="맑은 고딕" panose="020B0503020000020004" pitchFamily="50" charset="-127"/>
-                <a:ea typeface="맑은 고딕" panose="020B0503020000020004" pitchFamily="50" charset="-127"/>
-              </a:rPr>
-              <a:t>월 </a:t>
-            </a:r>
-            <a:r>
-              <a:rPr lang="en-US" altLang="ko-KR" b="1" dirty="0">
-                <a:ln>
-                  <a:solidFill>
-                    <a:schemeClr val="tx1">
-                      <a:alpha val="30000"/>
-                    </a:schemeClr>
-                  </a:solidFill>
-                </a:ln>
-                <a:latin typeface="맑은 고딕" panose="020B0503020000020004" pitchFamily="50" charset="-127"/>
-                <a:ea typeface="맑은 고딕" panose="020B0503020000020004" pitchFamily="50" charset="-127"/>
-              </a:rPr>
-              <a:t>9</a:t>
-            </a:r>
-            <a:r>
-              <a:rPr lang="ko-KR" altLang="en-US" b="1" dirty="0">
-                <a:ln>
-                  <a:solidFill>
-                    <a:schemeClr val="tx1">
-                      <a:alpha val="30000"/>
-                    </a:schemeClr>
-                  </a:solidFill>
-                </a:ln>
-                <a:latin typeface="맑은 고딕" panose="020B0503020000020004" pitchFamily="50" charset="-127"/>
-                <a:ea typeface="맑은 고딕" panose="020B0503020000020004" pitchFamily="50" charset="-127"/>
-              </a:rPr>
-              <a:t>일 </a:t>
-            </a:r>
-            <a:r>
-              <a:rPr lang="en-US" altLang="ko-KR" b="1" dirty="0">
-                <a:ln>
-                  <a:solidFill>
-                    <a:schemeClr val="tx1">
-                      <a:alpha val="30000"/>
-                    </a:schemeClr>
-                  </a:solidFill>
-                </a:ln>
-                <a:latin typeface="맑은 고딕" panose="020B0503020000020004" pitchFamily="50" charset="-127"/>
-                <a:ea typeface="맑은 고딕" panose="020B0503020000020004" pitchFamily="50" charset="-127"/>
-              </a:rPr>
-              <a:t>(1</a:t>
-            </a:r>
-            <a:r>
-              <a:rPr lang="ko-KR" altLang="en-US" b="1" dirty="0">
-                <a:ln>
-                  <a:solidFill>
-                    <a:schemeClr val="tx1">
-                      <a:alpha val="30000"/>
-                    </a:schemeClr>
-                  </a:solidFill>
-                </a:ln>
-                <a:latin typeface="맑은 고딕" panose="020B0503020000020004" pitchFamily="50" charset="-127"/>
-                <a:ea typeface="맑은 고딕" panose="020B0503020000020004" pitchFamily="50" charset="-127"/>
-              </a:rPr>
-              <a:t>주</a:t>
-            </a:r>
-            <a:r>
-              <a:rPr lang="en-US" altLang="ko-KR" b="1" dirty="0">
-                <a:ln>
-                  <a:solidFill>
-                    <a:schemeClr val="tx1">
-                      <a:alpha val="30000"/>
-                    </a:schemeClr>
-                  </a:solidFill>
-                </a:ln>
-                <a:latin typeface="맑은 고딕" panose="020B0503020000020004" pitchFamily="50" charset="-127"/>
-                <a:ea typeface="맑은 고딕" panose="020B0503020000020004" pitchFamily="50" charset="-127"/>
-              </a:rPr>
-              <a:t>)</a:t>
-            </a:r>
-          </a:p>
-        </p:txBody>
-      </p:sp>
-      <p:sp>
-        <p:nvSpPr>
-          <p:cNvPr id="10" name="직사각형 9">
-            <a:extLst>
-              <a:ext uri="{FF2B5EF4-FFF2-40B4-BE49-F238E27FC236}">
-                <a16:creationId xmlns:a16="http://schemas.microsoft.com/office/drawing/2014/main" id="{D0B92730-812E-47DC-8FEB-745A5EB314EA}"/>
-              </a:ext>
-            </a:extLst>
-          </p:cNvPr>
-          <p:cNvSpPr/>
-          <p:nvPr/>
-        </p:nvSpPr>
-        <p:spPr>
-          <a:xfrm>
-            <a:off x="110272" y="1214422"/>
-            <a:ext cx="8874456" cy="4662850"/>
-          </a:xfrm>
-          <a:prstGeom prst="rect">
-            <a:avLst/>
-          </a:prstGeom>
-        </p:spPr>
-        <p:style>
-          <a:lnRef idx="2">
-            <a:schemeClr val="accent5"/>
-          </a:lnRef>
-          <a:fillRef idx="1">
-            <a:schemeClr val="lt1"/>
-          </a:fillRef>
-          <a:effectRef idx="0">
-            <a:schemeClr val="accent5"/>
-          </a:effectRef>
-          <a:fontRef idx="minor">
-            <a:schemeClr val="dk1"/>
-          </a:fontRef>
-        </p:style>
-        <p:txBody>
-          <a:bodyPr rtlCol="0" anchor="ctr"/>
-          <a:lstStyle/>
-          <a:p>
-            <a:pPr algn="ctr"/>
-            <a:endParaRPr lang="ko-KR" altLang="en-US"/>
-          </a:p>
-        </p:txBody>
-      </p:sp>
-      <p:sp>
-        <p:nvSpPr>
-          <p:cNvPr id="11" name="TextBox 10">
-            <a:extLst>
-              <a:ext uri="{FF2B5EF4-FFF2-40B4-BE49-F238E27FC236}">
-                <a16:creationId xmlns:a16="http://schemas.microsoft.com/office/drawing/2014/main" id="{DDCDD611-648F-4E5E-B70C-65CAEAA0674C}"/>
-              </a:ext>
-            </a:extLst>
-          </p:cNvPr>
-          <p:cNvSpPr txBox="1"/>
-          <p:nvPr/>
-        </p:nvSpPr>
-        <p:spPr>
-          <a:xfrm>
-            <a:off x="173615" y="1273718"/>
-            <a:ext cx="3222805" cy="369332"/>
-          </a:xfrm>
-          <a:prstGeom prst="rect">
-            <a:avLst/>
-          </a:prstGeom>
-          <a:noFill/>
-        </p:spPr>
-        <p:txBody>
-          <a:bodyPr wrap="none" rtlCol="0">
-            <a:spAutoFit/>
-          </a:bodyPr>
-          <a:lstStyle/>
-          <a:p>
-            <a:r>
-              <a:rPr lang="en-US" altLang="ko-KR" dirty="0"/>
-              <a:t>Here : Contents Image Insert</a:t>
-            </a:r>
-            <a:endParaRPr lang="ko-KR" altLang="en-US" dirty="0"/>
-          </a:p>
-        </p:txBody>
-      </p:sp>
-    </p:spTree>
-    <p:extLst>
-      <p:ext uri="{BB962C8B-B14F-4D97-AF65-F5344CB8AC3E}">
-        <p14:creationId xmlns:p14="http://schemas.microsoft.com/office/powerpoint/2010/main" val="4066154586"/>
-      </p:ext>
-    </p:extLst>
-  </p:cSld>
-  <p:clrMapOvr>
-    <a:masterClrMapping/>
-  </p:clrMapOvr>
-</p:sld>
-</file>
-
-<file path=ppt/slides/slide4.xml><?xml version="1.0" encoding="utf-8"?>
-<p:sld xmlns:a="http://schemas.openxmlformats.org/drawingml/2006/main" xmlns:r="http://schemas.openxmlformats.org/officeDocument/2006/relationships" xmlns:p="http://schemas.openxmlformats.org/presentationml/2006/main">
-  <p:cSld>
-    <p:spTree>
-      <p:nvGrpSpPr>
-        <p:cNvPr id="1" name=""/>
-        <p:cNvGrpSpPr/>
-        <p:nvPr/>
-      </p:nvGrpSpPr>
-      <p:grpSpPr>
-        <a:xfrm>
-          <a:off x="0" y="0"/>
-          <a:ext cx="0" cy="0"/>
-          <a:chOff x="0" y="0"/>
-          <a:chExt cx="0" cy="0"/>
-        </a:xfrm>
-      </p:grpSpPr>
-      <p:sp>
-        <p:nvSpPr>
-          <p:cNvPr id="18" name="TextBox 17">
-            <a:extLst>
-              <a:ext uri="{FF2B5EF4-FFF2-40B4-BE49-F238E27FC236}">
-                <a16:creationId xmlns:a16="http://schemas.microsoft.com/office/drawing/2014/main" id="{D7B7EE40-BAD9-4569-9BF6-F6E9ACA78A3C}"/>
-              </a:ext>
-            </a:extLst>
-          </p:cNvPr>
-          <p:cNvSpPr txBox="1"/>
-          <p:nvPr/>
-        </p:nvSpPr>
-        <p:spPr>
-          <a:xfrm>
-            <a:off x="110272" y="71414"/>
-            <a:ext cx="4247414" cy="553998"/>
-          </a:xfrm>
-          <a:prstGeom prst="rect">
-            <a:avLst/>
-          </a:prstGeom>
-          <a:noFill/>
-        </p:spPr>
-        <p:txBody>
-          <a:bodyPr wrap="square" rtlCol="0" anchor="ctr">
-            <a:spAutoFit/>
-          </a:bodyPr>
-          <a:lstStyle/>
-          <a:p>
-            <a:pPr algn="ctr">
-              <a:lnSpc>
-                <a:spcPct val="150000"/>
-              </a:lnSpc>
-            </a:pPr>
-            <a:r>
-              <a:rPr lang="ko-KR" altLang="en-US" sz="2000" b="1" dirty="0">
-                <a:ln>
-                  <a:solidFill>
-                    <a:schemeClr val="tx1">
-                      <a:alpha val="30000"/>
-                    </a:schemeClr>
-                  </a:solidFill>
-                </a:ln>
-                <a:latin typeface="맑은 고딕" panose="020B0503020000020004" pitchFamily="50" charset="-127"/>
-                <a:ea typeface="맑은 고딕" panose="020B0503020000020004" pitchFamily="50" charset="-127"/>
-              </a:rPr>
-              <a:t>개발 일정</a:t>
-            </a:r>
-            <a:r>
-              <a:rPr lang="en-US" altLang="ko-KR" sz="2000" b="1" dirty="0">
-                <a:ln>
-                  <a:solidFill>
-                    <a:schemeClr val="tx1">
-                      <a:alpha val="30000"/>
-                    </a:schemeClr>
-                  </a:solidFill>
-                </a:ln>
-                <a:latin typeface="맑은 고딕" panose="020B0503020000020004" pitchFamily="50" charset="-127"/>
-                <a:ea typeface="맑은 고딕" panose="020B0503020000020004" pitchFamily="50" charset="-127"/>
-              </a:rPr>
-              <a:t>(Development Schedule)</a:t>
-            </a:r>
-            <a:endParaRPr lang="ko-KR" altLang="en-US" sz="2000" b="1" dirty="0">
-              <a:ln>
-                <a:solidFill>
-                  <a:schemeClr val="tx1">
-                    <a:alpha val="30000"/>
-                  </a:schemeClr>
-                </a:solidFill>
-              </a:ln>
-              <a:latin typeface="맑은 고딕" panose="020B0503020000020004" pitchFamily="50" charset="-127"/>
-              <a:ea typeface="맑은 고딕" panose="020B0503020000020004" pitchFamily="50" charset="-127"/>
-            </a:endParaRPr>
-          </a:p>
-        </p:txBody>
-      </p:sp>
-      <p:sp>
-        <p:nvSpPr>
-          <p:cNvPr id="22" name="직사각형 21">
-            <a:extLst>
-              <a:ext uri="{FF2B5EF4-FFF2-40B4-BE49-F238E27FC236}">
-                <a16:creationId xmlns:a16="http://schemas.microsoft.com/office/drawing/2014/main" id="{AB4C8245-D0E4-4D79-B3E9-2FB89CE6FE84}"/>
-              </a:ext>
-            </a:extLst>
-          </p:cNvPr>
-          <p:cNvSpPr/>
-          <p:nvPr/>
-        </p:nvSpPr>
-        <p:spPr>
-          <a:xfrm>
-            <a:off x="71406" y="71415"/>
-            <a:ext cx="4286280" cy="571504"/>
-          </a:xfrm>
-          <a:prstGeom prst="rect">
-            <a:avLst/>
-          </a:prstGeom>
-          <a:noFill/>
-          <a:ln w="25400">
-            <a:solidFill>
-              <a:schemeClr val="tx1"/>
-            </a:solidFill>
-          </a:ln>
-        </p:spPr>
-        <p:style>
-          <a:lnRef idx="2">
-            <a:schemeClr val="accent1">
-              <a:shade val="50000"/>
-            </a:schemeClr>
-          </a:lnRef>
-          <a:fillRef idx="1">
-            <a:schemeClr val="accent1"/>
-          </a:fillRef>
-          <a:effectRef idx="0">
-            <a:schemeClr val="accent1"/>
-          </a:effectRef>
-          <a:fontRef idx="minor">
-            <a:schemeClr val="lt1"/>
-          </a:fontRef>
-        </p:style>
-        <p:txBody>
-          <a:bodyPr rtlCol="0" anchor="ctr"/>
-          <a:lstStyle/>
-          <a:p>
-            <a:pPr algn="ctr"/>
-            <a:endParaRPr lang="ko-KR" altLang="en-US"/>
-          </a:p>
-        </p:txBody>
-      </p:sp>
-      <p:sp>
-        <p:nvSpPr>
           <p:cNvPr id="24" name="TextBox 23">
             <a:extLst>
               <a:ext uri="{FF2B5EF4-FFF2-40B4-BE49-F238E27FC236}">
@@ -5093,36 +4357,36 @@
           </a:p>
         </p:txBody>
       </p:sp>
-      <p:sp>
-        <p:nvSpPr>
-          <p:cNvPr id="40" name="TextBox 39"/>
-          <p:cNvSpPr txBox="1"/>
+      <p:pic>
+        <p:nvPicPr>
+          <p:cNvPr id="5" name="그림 4">
+            <a:extLst>
+              <a:ext uri="{FF2B5EF4-FFF2-40B4-BE49-F238E27FC236}">
+                <a16:creationId xmlns:a16="http://schemas.microsoft.com/office/drawing/2014/main" id="{50FEB3A0-2BFB-47A2-9C8F-8CD97B05A432}"/>
+              </a:ext>
+            </a:extLst>
+          </p:cNvPr>
+          <p:cNvPicPr>
+            <a:picLocks noChangeAspect="1"/>
+          </p:cNvPicPr>
           <p:nvPr/>
-        </p:nvSpPr>
+        </p:nvPicPr>
+        <p:blipFill>
+          <a:blip r:embed="rId2"/>
+          <a:stretch>
+            <a:fillRect/>
+          </a:stretch>
+        </p:blipFill>
         <p:spPr>
           <a:xfrm>
-            <a:off x="206187" y="1281176"/>
-            <a:ext cx="3222805" cy="369332"/>
+            <a:off x="1001944" y="1387063"/>
+            <a:ext cx="6711484" cy="5117113"/>
           </a:xfrm>
           <a:prstGeom prst="rect">
             <a:avLst/>
           </a:prstGeom>
-          <a:noFill/>
         </p:spPr>
-        <p:txBody>
-          <a:bodyPr wrap="none" rtlCol="0">
-            <a:spAutoFit/>
-          </a:bodyPr>
-          <a:lstStyle/>
-          <a:p>
-            <a:r>
-              <a:rPr lang="en-US" altLang="ko-KR" dirty="0"/>
-              <a:t>Here : Contents Image Insert</a:t>
-            </a:r>
-            <a:endParaRPr lang="ko-KR" altLang="en-US" dirty="0"/>
-          </a:p>
-        </p:txBody>
-      </p:sp>
+      </p:pic>
     </p:spTree>
     <p:extLst>
       <p:ext uri="{BB962C8B-B14F-4D97-AF65-F5344CB8AC3E}">
